--- a/resources/Clase 4/React - Clase 4.pptx
+++ b/resources/Clase 4/React - Clase 4.pptx
@@ -5,7 +5,7 @@
     <p:sldMasterId id="2147483648" r:id="rId1"/>
   </p:sldMasterIdLst>
   <p:notesMasterIdLst>
-    <p:notesMasterId r:id="rId21"/>
+    <p:notesMasterId r:id="rId23"/>
   </p:notesMasterIdLst>
   <p:sldIdLst>
     <p:sldId id="257" r:id="rId2"/>
@@ -24,9 +24,11 @@
     <p:sldId id="304" r:id="rId15"/>
     <p:sldId id="305" r:id="rId16"/>
     <p:sldId id="306" r:id="rId17"/>
-    <p:sldId id="286" r:id="rId18"/>
-    <p:sldId id="287" r:id="rId19"/>
-    <p:sldId id="288" r:id="rId20"/>
+    <p:sldId id="307" r:id="rId18"/>
+    <p:sldId id="308" r:id="rId19"/>
+    <p:sldId id="286" r:id="rId20"/>
+    <p:sldId id="287" r:id="rId21"/>
+    <p:sldId id="288" r:id="rId22"/>
   </p:sldIdLst>
   <p:sldSz cx="12192000" cy="6858000"/>
   <p:notesSz cx="6858000" cy="9144000"/>
@@ -215,7 +217,7 @@
           <a:p>
             <a:fld id="{D8BB21DC-C4A3-534F-BF47-B189D602D320}" type="datetimeFigureOut">
               <a:rPr lang="es-ES_tradnl" smtClean="0"/>
-              <a:t>1/10/23</a:t>
+              <a:t>2/10/23</a:t>
             </a:fld>
             <a:endParaRPr lang="es-ES_tradnl"/>
           </a:p>
@@ -632,7 +634,7 @@
           <a:p>
             <a:fld id="{B44FCCF6-F875-644F-9B0B-E300D1792EBC}" type="datetimeFigureOut">
               <a:rPr lang="es-ES_tradnl" smtClean="0"/>
-              <a:t>1/10/23</a:t>
+              <a:t>2/10/23</a:t>
             </a:fld>
             <a:endParaRPr lang="es-ES_tradnl"/>
           </a:p>
@@ -832,7 +834,7 @@
           <a:p>
             <a:fld id="{B44FCCF6-F875-644F-9B0B-E300D1792EBC}" type="datetimeFigureOut">
               <a:rPr lang="es-ES_tradnl" smtClean="0"/>
-              <a:t>1/10/23</a:t>
+              <a:t>2/10/23</a:t>
             </a:fld>
             <a:endParaRPr lang="es-ES_tradnl"/>
           </a:p>
@@ -1042,7 +1044,7 @@
           <a:p>
             <a:fld id="{B44FCCF6-F875-644F-9B0B-E300D1792EBC}" type="datetimeFigureOut">
               <a:rPr lang="es-ES_tradnl" smtClean="0"/>
-              <a:t>1/10/23</a:t>
+              <a:t>2/10/23</a:t>
             </a:fld>
             <a:endParaRPr lang="es-ES_tradnl"/>
           </a:p>
@@ -1242,7 +1244,7 @@
           <a:p>
             <a:fld id="{B44FCCF6-F875-644F-9B0B-E300D1792EBC}" type="datetimeFigureOut">
               <a:rPr lang="es-ES_tradnl" smtClean="0"/>
-              <a:t>1/10/23</a:t>
+              <a:t>2/10/23</a:t>
             </a:fld>
             <a:endParaRPr lang="es-ES_tradnl"/>
           </a:p>
@@ -1518,7 +1520,7 @@
           <a:p>
             <a:fld id="{B44FCCF6-F875-644F-9B0B-E300D1792EBC}" type="datetimeFigureOut">
               <a:rPr lang="es-ES_tradnl" smtClean="0"/>
-              <a:t>1/10/23</a:t>
+              <a:t>2/10/23</a:t>
             </a:fld>
             <a:endParaRPr lang="es-ES_tradnl"/>
           </a:p>
@@ -1786,7 +1788,7 @@
           <a:p>
             <a:fld id="{B44FCCF6-F875-644F-9B0B-E300D1792EBC}" type="datetimeFigureOut">
               <a:rPr lang="es-ES_tradnl" smtClean="0"/>
-              <a:t>1/10/23</a:t>
+              <a:t>2/10/23</a:t>
             </a:fld>
             <a:endParaRPr lang="es-ES_tradnl"/>
           </a:p>
@@ -2201,7 +2203,7 @@
           <a:p>
             <a:fld id="{B44FCCF6-F875-644F-9B0B-E300D1792EBC}" type="datetimeFigureOut">
               <a:rPr lang="es-ES_tradnl" smtClean="0"/>
-              <a:t>1/10/23</a:t>
+              <a:t>2/10/23</a:t>
             </a:fld>
             <a:endParaRPr lang="es-ES_tradnl"/>
           </a:p>
@@ -2343,7 +2345,7 @@
           <a:p>
             <a:fld id="{B44FCCF6-F875-644F-9B0B-E300D1792EBC}" type="datetimeFigureOut">
               <a:rPr lang="es-ES_tradnl" smtClean="0"/>
-              <a:t>1/10/23</a:t>
+              <a:t>2/10/23</a:t>
             </a:fld>
             <a:endParaRPr lang="es-ES_tradnl"/>
           </a:p>
@@ -2456,7 +2458,7 @@
           <a:p>
             <a:fld id="{B44FCCF6-F875-644F-9B0B-E300D1792EBC}" type="datetimeFigureOut">
               <a:rPr lang="es-ES_tradnl" smtClean="0"/>
-              <a:t>1/10/23</a:t>
+              <a:t>2/10/23</a:t>
             </a:fld>
             <a:endParaRPr lang="es-ES_tradnl"/>
           </a:p>
@@ -2769,7 +2771,7 @@
           <a:p>
             <a:fld id="{B44FCCF6-F875-644F-9B0B-E300D1792EBC}" type="datetimeFigureOut">
               <a:rPr lang="es-ES_tradnl" smtClean="0"/>
-              <a:t>1/10/23</a:t>
+              <a:t>2/10/23</a:t>
             </a:fld>
             <a:endParaRPr lang="es-ES_tradnl"/>
           </a:p>
@@ -3058,7 +3060,7 @@
           <a:p>
             <a:fld id="{B44FCCF6-F875-644F-9B0B-E300D1792EBC}" type="datetimeFigureOut">
               <a:rPr lang="es-ES_tradnl" smtClean="0"/>
-              <a:t>1/10/23</a:t>
+              <a:t>2/10/23</a:t>
             </a:fld>
             <a:endParaRPr lang="es-ES_tradnl"/>
           </a:p>
@@ -3301,7 +3303,7 @@
           <a:p>
             <a:fld id="{B44FCCF6-F875-644F-9B0B-E300D1792EBC}" type="datetimeFigureOut">
               <a:rPr lang="es-ES_tradnl" smtClean="0"/>
-              <a:t>1/10/23</a:t>
+              <a:t>2/10/23</a:t>
             </a:fld>
             <a:endParaRPr lang="es-ES_tradnl"/>
           </a:p>
@@ -4899,7 +4901,28 @@
           <a:bodyPr/>
           <a:lstStyle/>
           <a:p>
-            <a:endParaRPr lang="en-MX" dirty="0"/>
+            <a:r>
+              <a:rPr lang="en-MX" dirty="0"/>
+              <a:t>Los hooks son funciones que retornan otras funciones, valores, objetos, o cualquier lógica encapsulada para que nuestros componentes accedan a ellos.</a:t>
+            </a:r>
+          </a:p>
+          <a:p>
+            <a:r>
+              <a:rPr lang="en-MX" dirty="0"/>
+              <a:t>useState()</a:t>
+            </a:r>
+          </a:p>
+          <a:p>
+            <a:r>
+              <a:rPr lang="en-MX" dirty="0"/>
+              <a:t>useEffect()</a:t>
+            </a:r>
+          </a:p>
+          <a:p>
+            <a:r>
+              <a:rPr lang="en-MX" dirty="0"/>
+              <a:t>useRef()</a:t>
+            </a:r>
           </a:p>
         </p:txBody>
       </p:sp>
@@ -4926,20 +4949,15 @@
           <a:p>
             <a:r>
               <a:rPr lang="es-ES_tradnl" dirty="0"/>
-              <a:t>Hook: </a:t>
-            </a:r>
-            <a:r>
-              <a:rPr lang="es-ES_tradnl" dirty="0" err="1"/>
-              <a:t>useEffect</a:t>
-            </a:r>
-            <a:endParaRPr lang="es-ES_tradnl" dirty="0"/>
+              <a:t>¿Qué es un Hook?</a:t>
+            </a:r>
           </a:p>
         </p:txBody>
       </p:sp>
     </p:spTree>
     <p:extLst>
       <p:ext uri="{BB962C8B-B14F-4D97-AF65-F5344CB8AC3E}">
-        <p14:creationId xmlns:p14="http://schemas.microsoft.com/office/powerpoint/2010/main" val="2961832908"/>
+        <p14:creationId xmlns:p14="http://schemas.microsoft.com/office/powerpoint/2010/main" val="2464359071"/>
       </p:ext>
     </p:extLst>
   </p:cSld>
@@ -4987,7 +5005,26 @@
           <a:bodyPr/>
           <a:lstStyle/>
           <a:p>
-            <a:endParaRPr lang="en-MX" dirty="0"/>
+            <a:r>
+              <a:rPr lang="en-US" dirty="0"/>
+              <a:t>L</a:t>
+            </a:r>
+            <a:r>
+              <a:rPr lang="en-MX" dirty="0"/>
+              <a:t>os hooks siempre se llaman primero.</a:t>
+            </a:r>
+          </a:p>
+          <a:p>
+            <a:r>
+              <a:rPr lang="en-MX" dirty="0"/>
+              <a:t>Los hooks solo se deben de llamar en componentes funcionales de React, es decir en React Components o en otros Hooks.</a:t>
+            </a:r>
+          </a:p>
+          <a:p>
+            <a:r>
+              <a:rPr lang="en-MX" dirty="0"/>
+              <a:t>Los hooks no se deben llamar condicionalmente.</a:t>
+            </a:r>
           </a:p>
         </p:txBody>
       </p:sp>
@@ -5014,20 +5051,15 @@
           <a:p>
             <a:r>
               <a:rPr lang="es-ES_tradnl" dirty="0"/>
-              <a:t>Hook: </a:t>
-            </a:r>
-            <a:r>
-              <a:rPr lang="es-ES_tradnl" dirty="0" err="1"/>
-              <a:t>useVideogameData</a:t>
-            </a:r>
-            <a:endParaRPr lang="es-ES_tradnl" dirty="0"/>
+              <a:t>Reglas</a:t>
+            </a:r>
           </a:p>
         </p:txBody>
       </p:sp>
     </p:spTree>
     <p:extLst>
       <p:ext uri="{BB962C8B-B14F-4D97-AF65-F5344CB8AC3E}">
-        <p14:creationId xmlns:p14="http://schemas.microsoft.com/office/powerpoint/2010/main" val="4242715060"/>
+        <p14:creationId xmlns:p14="http://schemas.microsoft.com/office/powerpoint/2010/main" val="2802043254"/>
       </p:ext>
     </p:extLst>
   </p:cSld>
@@ -5075,6 +5107,180 @@
           <a:bodyPr/>
           <a:lstStyle/>
           <a:p>
+            <a:r>
+              <a:rPr lang="en-US" dirty="0" err="1"/>
+              <a:t>Sincronizar</a:t>
+            </a:r>
+            <a:r>
+              <a:rPr lang="en-US" dirty="0"/>
+              <a:t> </a:t>
+            </a:r>
+            <a:r>
+              <a:rPr lang="en-US" dirty="0" err="1"/>
+              <a:t>el</a:t>
+            </a:r>
+            <a:r>
+              <a:rPr lang="en-US" dirty="0"/>
+              <a:t> </a:t>
+            </a:r>
+            <a:r>
+              <a:rPr lang="en-US" dirty="0" err="1"/>
+              <a:t>componente</a:t>
+            </a:r>
+            <a:r>
+              <a:rPr lang="en-US" dirty="0"/>
+              <a:t> a un </a:t>
+            </a:r>
+            <a:r>
+              <a:rPr lang="en-US" dirty="0" err="1"/>
+              <a:t>sistema</a:t>
+            </a:r>
+            <a:r>
+              <a:rPr lang="en-US" dirty="0"/>
+              <a:t> </a:t>
+            </a:r>
+            <a:r>
+              <a:rPr lang="en-US" dirty="0" err="1"/>
+              <a:t>externo</a:t>
+            </a:r>
+            <a:r>
+              <a:rPr lang="en-US" dirty="0"/>
+              <a:t>.</a:t>
+            </a:r>
+          </a:p>
+          <a:p>
+            <a:r>
+              <a:rPr lang="en-US" dirty="0"/>
+              <a:t>Los </a:t>
+            </a:r>
+            <a:r>
+              <a:rPr lang="en-US" dirty="0" err="1"/>
+              <a:t>efectos</a:t>
+            </a:r>
+            <a:r>
+              <a:rPr lang="en-US" dirty="0"/>
+              <a:t> </a:t>
+            </a:r>
+            <a:r>
+              <a:rPr lang="en-US" dirty="0" err="1"/>
+              <a:t>permiten</a:t>
+            </a:r>
+            <a:r>
+              <a:rPr lang="en-US" dirty="0"/>
+              <a:t> </a:t>
+            </a:r>
+            <a:r>
+              <a:rPr lang="en-US" dirty="0" err="1"/>
+              <a:t>ejecutar</a:t>
+            </a:r>
+            <a:r>
+              <a:rPr lang="en-US" dirty="0"/>
+              <a:t> </a:t>
+            </a:r>
+            <a:r>
+              <a:rPr lang="en-US" dirty="0" err="1"/>
+              <a:t>cierta</a:t>
+            </a:r>
+            <a:r>
+              <a:rPr lang="en-US" dirty="0"/>
+              <a:t> </a:t>
+            </a:r>
+            <a:r>
+              <a:rPr lang="en-US" dirty="0" err="1"/>
+              <a:t>lógica</a:t>
+            </a:r>
+            <a:r>
+              <a:rPr lang="en-US" dirty="0"/>
+              <a:t> </a:t>
+            </a:r>
+            <a:r>
+              <a:rPr lang="en-US" dirty="0" err="1"/>
+              <a:t>después</a:t>
+            </a:r>
+            <a:r>
+              <a:rPr lang="en-US" dirty="0"/>
+              <a:t> del </a:t>
+            </a:r>
+            <a:r>
+              <a:rPr lang="en-US" dirty="0" err="1"/>
+              <a:t>rendereo</a:t>
+            </a:r>
+            <a:r>
+              <a:rPr lang="en-US" dirty="0"/>
+              <a:t>, lo </a:t>
+            </a:r>
+            <a:r>
+              <a:rPr lang="en-US" dirty="0" err="1"/>
+              <a:t>cual</a:t>
+            </a:r>
+            <a:r>
+              <a:rPr lang="en-US" dirty="0"/>
+              <a:t> </a:t>
+            </a:r>
+            <a:r>
+              <a:rPr lang="en-US" dirty="0" err="1"/>
+              <a:t>nos</a:t>
+            </a:r>
+            <a:r>
+              <a:rPr lang="en-US" dirty="0"/>
+              <a:t> </a:t>
+            </a:r>
+            <a:r>
+              <a:rPr lang="en-US" dirty="0" err="1"/>
+              <a:t>permite</a:t>
+            </a:r>
+            <a:r>
+              <a:rPr lang="en-US" dirty="0"/>
+              <a:t> </a:t>
+            </a:r>
+            <a:r>
+              <a:rPr lang="en-US" dirty="0" err="1"/>
+              <a:t>sincronizar</a:t>
+            </a:r>
+            <a:r>
+              <a:rPr lang="en-US" dirty="0"/>
+              <a:t> </a:t>
+            </a:r>
+            <a:r>
+              <a:rPr lang="en-US" dirty="0" err="1"/>
+              <a:t>el</a:t>
+            </a:r>
+            <a:r>
+              <a:rPr lang="en-US" dirty="0"/>
+              <a:t> </a:t>
+            </a:r>
+            <a:r>
+              <a:rPr lang="en-US" dirty="0" err="1"/>
+              <a:t>componente</a:t>
+            </a:r>
+            <a:r>
+              <a:rPr lang="en-US" dirty="0"/>
+              <a:t> a </a:t>
+            </a:r>
+            <a:r>
+              <a:rPr lang="en-US" dirty="0" err="1"/>
+              <a:t>cualquier</a:t>
+            </a:r>
+            <a:r>
+              <a:rPr lang="en-US" dirty="0"/>
+              <a:t> </a:t>
+            </a:r>
+            <a:r>
+              <a:rPr lang="en-US" dirty="0" err="1"/>
+              <a:t>sistema</a:t>
+            </a:r>
+            <a:r>
+              <a:rPr lang="en-US" dirty="0"/>
+              <a:t> </a:t>
+            </a:r>
+            <a:r>
+              <a:rPr lang="en-US" dirty="0" err="1"/>
+              <a:t>externo</a:t>
+            </a:r>
+            <a:r>
+              <a:rPr lang="en-US"/>
+              <a:t>.</a:t>
+            </a:r>
             <a:endParaRPr lang="en-MX" dirty="0"/>
           </a:p>
         </p:txBody>
@@ -5106,16 +5312,46 @@
             </a:r>
             <a:r>
               <a:rPr lang="es-ES_tradnl" dirty="0" err="1"/>
-              <a:t>useRef</a:t>
+              <a:t>useEffect</a:t>
             </a:r>
             <a:endParaRPr lang="es-ES_tradnl" dirty="0"/>
           </a:p>
         </p:txBody>
       </p:sp>
+      <p:pic>
+        <p:nvPicPr>
+          <p:cNvPr id="2" name="Picture 1">
+            <a:extLst>
+              <a:ext uri="{FF2B5EF4-FFF2-40B4-BE49-F238E27FC236}">
+                <a16:creationId xmlns:a16="http://schemas.microsoft.com/office/drawing/2014/main" id="{155E4510-24C2-78D8-6DB8-1EDF06FB6F1E}"/>
+              </a:ext>
+            </a:extLst>
+          </p:cNvPr>
+          <p:cNvPicPr>
+            <a:picLocks noChangeAspect="1"/>
+          </p:cNvPicPr>
+          <p:nvPr/>
+        </p:nvPicPr>
+        <p:blipFill>
+          <a:blip r:embed="rId2"/>
+          <a:stretch>
+            <a:fillRect/>
+          </a:stretch>
+        </p:blipFill>
+        <p:spPr>
+          <a:xfrm>
+            <a:off x="1282337" y="4565281"/>
+            <a:ext cx="9627325" cy="1927594"/>
+          </a:xfrm>
+          <a:prstGeom prst="rect">
+            <a:avLst/>
+          </a:prstGeom>
+        </p:spPr>
+      </p:pic>
     </p:spTree>
     <p:extLst>
       <p:ext uri="{BB962C8B-B14F-4D97-AF65-F5344CB8AC3E}">
-        <p14:creationId xmlns:p14="http://schemas.microsoft.com/office/powerpoint/2010/main" val="2199242387"/>
+        <p14:creationId xmlns:p14="http://schemas.microsoft.com/office/powerpoint/2010/main" val="2961832908"/>
       </p:ext>
     </p:extLst>
   </p:cSld>
@@ -5225,6 +5461,182 @@
     <p:extLst>
       <p:ext uri="{BB962C8B-B14F-4D97-AF65-F5344CB8AC3E}">
         <p14:creationId xmlns:p14="http://schemas.microsoft.com/office/powerpoint/2010/main" val="3283171142"/>
+      </p:ext>
+    </p:extLst>
+  </p:cSld>
+  <p:clrMapOvr>
+    <a:masterClrMapping/>
+  </p:clrMapOvr>
+</p:sld>
+</file>
+
+<file path=ppt/slides/slide20.xml><?xml version="1.0" encoding="utf-8"?>
+<p:sld xmlns:a="http://schemas.openxmlformats.org/drawingml/2006/main" xmlns:r="http://schemas.openxmlformats.org/officeDocument/2006/relationships" xmlns:p="http://schemas.openxmlformats.org/presentationml/2006/main">
+  <p:cSld>
+    <p:spTree>
+      <p:nvGrpSpPr>
+        <p:cNvPr id="1" name=""/>
+        <p:cNvGrpSpPr/>
+        <p:nvPr/>
+      </p:nvGrpSpPr>
+      <p:grpSpPr>
+        <a:xfrm>
+          <a:off x="0" y="0"/>
+          <a:ext cx="0" cy="0"/>
+          <a:chOff x="0" y="0"/>
+          <a:chExt cx="0" cy="0"/>
+        </a:xfrm>
+      </p:grpSpPr>
+      <p:sp>
+        <p:nvSpPr>
+          <p:cNvPr id="3" name="Content Placeholder 2">
+            <a:extLst>
+              <a:ext uri="{FF2B5EF4-FFF2-40B4-BE49-F238E27FC236}">
+                <a16:creationId xmlns:a16="http://schemas.microsoft.com/office/drawing/2014/main" id="{2ED1EBA7-A1C3-9B05-1886-E7B90FF9D262}"/>
+              </a:ext>
+            </a:extLst>
+          </p:cNvPr>
+          <p:cNvSpPr>
+            <a:spLocks noGrp="1"/>
+          </p:cNvSpPr>
+          <p:nvPr>
+            <p:ph idx="1"/>
+          </p:nvPr>
+        </p:nvSpPr>
+        <p:spPr/>
+        <p:txBody>
+          <a:bodyPr/>
+          <a:lstStyle/>
+          <a:p>
+            <a:endParaRPr lang="en-MX" dirty="0"/>
+          </a:p>
+        </p:txBody>
+      </p:sp>
+      <p:sp>
+        <p:nvSpPr>
+          <p:cNvPr id="5" name="Title 4">
+            <a:extLst>
+              <a:ext uri="{FF2B5EF4-FFF2-40B4-BE49-F238E27FC236}">
+                <a16:creationId xmlns:a16="http://schemas.microsoft.com/office/drawing/2014/main" id="{9971B324-CD06-F181-26EF-F8B4AF221E34}"/>
+              </a:ext>
+            </a:extLst>
+          </p:cNvPr>
+          <p:cNvSpPr>
+            <a:spLocks noGrp="1"/>
+          </p:cNvSpPr>
+          <p:nvPr>
+            <p:ph type="title"/>
+          </p:nvPr>
+        </p:nvSpPr>
+        <p:spPr/>
+        <p:txBody>
+          <a:bodyPr/>
+          <a:lstStyle/>
+          <a:p>
+            <a:r>
+              <a:rPr lang="es-ES_tradnl" dirty="0"/>
+              <a:t>Hook: </a:t>
+            </a:r>
+            <a:r>
+              <a:rPr lang="es-ES_tradnl" dirty="0" err="1"/>
+              <a:t>useVideogameData</a:t>
+            </a:r>
+            <a:endParaRPr lang="es-ES_tradnl" dirty="0"/>
+          </a:p>
+        </p:txBody>
+      </p:sp>
+    </p:spTree>
+    <p:extLst>
+      <p:ext uri="{BB962C8B-B14F-4D97-AF65-F5344CB8AC3E}">
+        <p14:creationId xmlns:p14="http://schemas.microsoft.com/office/powerpoint/2010/main" val="4242715060"/>
+      </p:ext>
+    </p:extLst>
+  </p:cSld>
+  <p:clrMapOvr>
+    <a:masterClrMapping/>
+  </p:clrMapOvr>
+</p:sld>
+</file>
+
+<file path=ppt/slides/slide21.xml><?xml version="1.0" encoding="utf-8"?>
+<p:sld xmlns:a="http://schemas.openxmlformats.org/drawingml/2006/main" xmlns:r="http://schemas.openxmlformats.org/officeDocument/2006/relationships" xmlns:p="http://schemas.openxmlformats.org/presentationml/2006/main">
+  <p:cSld>
+    <p:spTree>
+      <p:nvGrpSpPr>
+        <p:cNvPr id="1" name=""/>
+        <p:cNvGrpSpPr/>
+        <p:nvPr/>
+      </p:nvGrpSpPr>
+      <p:grpSpPr>
+        <a:xfrm>
+          <a:off x="0" y="0"/>
+          <a:ext cx="0" cy="0"/>
+          <a:chOff x="0" y="0"/>
+          <a:chExt cx="0" cy="0"/>
+        </a:xfrm>
+      </p:grpSpPr>
+      <p:sp>
+        <p:nvSpPr>
+          <p:cNvPr id="3" name="Content Placeholder 2">
+            <a:extLst>
+              <a:ext uri="{FF2B5EF4-FFF2-40B4-BE49-F238E27FC236}">
+                <a16:creationId xmlns:a16="http://schemas.microsoft.com/office/drawing/2014/main" id="{2ED1EBA7-A1C3-9B05-1886-E7B90FF9D262}"/>
+              </a:ext>
+            </a:extLst>
+          </p:cNvPr>
+          <p:cNvSpPr>
+            <a:spLocks noGrp="1"/>
+          </p:cNvSpPr>
+          <p:nvPr>
+            <p:ph idx="1"/>
+          </p:nvPr>
+        </p:nvSpPr>
+        <p:spPr/>
+        <p:txBody>
+          <a:bodyPr/>
+          <a:lstStyle/>
+          <a:p>
+            <a:endParaRPr lang="en-MX" dirty="0"/>
+          </a:p>
+        </p:txBody>
+      </p:sp>
+      <p:sp>
+        <p:nvSpPr>
+          <p:cNvPr id="5" name="Title 4">
+            <a:extLst>
+              <a:ext uri="{FF2B5EF4-FFF2-40B4-BE49-F238E27FC236}">
+                <a16:creationId xmlns:a16="http://schemas.microsoft.com/office/drawing/2014/main" id="{9971B324-CD06-F181-26EF-F8B4AF221E34}"/>
+              </a:ext>
+            </a:extLst>
+          </p:cNvPr>
+          <p:cNvSpPr>
+            <a:spLocks noGrp="1"/>
+          </p:cNvSpPr>
+          <p:nvPr>
+            <p:ph type="title"/>
+          </p:nvPr>
+        </p:nvSpPr>
+        <p:spPr/>
+        <p:txBody>
+          <a:bodyPr/>
+          <a:lstStyle/>
+          <a:p>
+            <a:r>
+              <a:rPr lang="es-ES_tradnl" dirty="0"/>
+              <a:t>Hook: </a:t>
+            </a:r>
+            <a:r>
+              <a:rPr lang="es-ES_tradnl" dirty="0" err="1"/>
+              <a:t>useRef</a:t>
+            </a:r>
+            <a:endParaRPr lang="es-ES_tradnl" dirty="0"/>
+          </a:p>
+        </p:txBody>
+      </p:sp>
+    </p:spTree>
+    <p:extLst>
+      <p:ext uri="{BB962C8B-B14F-4D97-AF65-F5344CB8AC3E}">
+        <p14:creationId xmlns:p14="http://schemas.microsoft.com/office/powerpoint/2010/main" val="2199242387"/>
       </p:ext>
     </p:extLst>
   </p:cSld>
